--- a/analysis/figures/2023_01_10_decoding_d_prime_code_explanation.pptx
+++ b/analysis/figures/2023_01_10_decoding_d_prime_code_explanation.pptx
@@ -5,7 +5,7 @@
     <p:sldMasterId id="2147483696" r:id="rId1"/>
   </p:sldMasterIdLst>
   <p:notesMasterIdLst>
-    <p:notesMasterId r:id="rId16"/>
+    <p:notesMasterId r:id="rId17"/>
   </p:notesMasterIdLst>
   <p:sldIdLst>
     <p:sldId id="256" r:id="rId2"/>
@@ -17,11 +17,12 @@
     <p:sldId id="263" r:id="rId8"/>
     <p:sldId id="261" r:id="rId9"/>
     <p:sldId id="264" r:id="rId10"/>
-    <p:sldId id="265" r:id="rId11"/>
-    <p:sldId id="266" r:id="rId12"/>
-    <p:sldId id="268" r:id="rId13"/>
-    <p:sldId id="267" r:id="rId14"/>
-    <p:sldId id="269" r:id="rId15"/>
+    <p:sldId id="270" r:id="rId11"/>
+    <p:sldId id="265" r:id="rId12"/>
+    <p:sldId id="266" r:id="rId13"/>
+    <p:sldId id="268" r:id="rId14"/>
+    <p:sldId id="267" r:id="rId15"/>
+    <p:sldId id="269" r:id="rId16"/>
   </p:sldIdLst>
   <p:sldSz cx="19199225" cy="10799763"/>
   <p:notesSz cx="6858000" cy="9144000"/>
@@ -221,7 +222,7 @@
           <a:p>
             <a:fld id="{AD445DA2-36B1-46D3-A3C9-0C51E1DA8973}" type="datetimeFigureOut">
               <a:rPr lang="he-IL" smtClean="0"/>
-              <a:t>י"ז/טבת/תשפ"ג</a:t>
+              <a:t>כ"ה/טבת/תשפ"ג</a:t>
             </a:fld>
             <a:endParaRPr lang="he-IL"/>
           </a:p>
@@ -576,7 +577,7 @@
           <a:p>
             <a:fld id="{E13DEFC6-12BD-420D-AF3B-C55636B482F5}" type="slidenum">
               <a:rPr lang="he-IL" smtClean="0"/>
-              <a:t>10</a:t>
+              <a:t>11</a:t>
             </a:fld>
             <a:endParaRPr lang="he-IL"/>
           </a:p>
@@ -660,7 +661,7 @@
           <a:p>
             <a:fld id="{E13DEFC6-12BD-420D-AF3B-C55636B482F5}" type="slidenum">
               <a:rPr lang="he-IL" smtClean="0"/>
-              <a:t>12</a:t>
+              <a:t>13</a:t>
             </a:fld>
             <a:endParaRPr lang="he-IL"/>
           </a:p>
@@ -810,7 +811,7 @@
           <a:p>
             <a:fld id="{1FFD9451-758E-4F4B-8EC8-A223DDE6F6D8}" type="datetimeFigureOut">
               <a:rPr lang="he-IL" smtClean="0"/>
-              <a:t>י"ז/טבת/תשפ"ג</a:t>
+              <a:t>כ"ה/טבת/תשפ"ג</a:t>
             </a:fld>
             <a:endParaRPr lang="he-IL"/>
           </a:p>
@@ -980,7 +981,7 @@
           <a:p>
             <a:fld id="{1FFD9451-758E-4F4B-8EC8-A223DDE6F6D8}" type="datetimeFigureOut">
               <a:rPr lang="he-IL" smtClean="0"/>
-              <a:t>י"ז/טבת/תשפ"ג</a:t>
+              <a:t>כ"ה/טבת/תשפ"ג</a:t>
             </a:fld>
             <a:endParaRPr lang="he-IL"/>
           </a:p>
@@ -1160,7 +1161,7 @@
           <a:p>
             <a:fld id="{1FFD9451-758E-4F4B-8EC8-A223DDE6F6D8}" type="datetimeFigureOut">
               <a:rPr lang="he-IL" smtClean="0"/>
-              <a:t>י"ז/טבת/תשפ"ג</a:t>
+              <a:t>כ"ה/טבת/תשפ"ג</a:t>
             </a:fld>
             <a:endParaRPr lang="he-IL"/>
           </a:p>
@@ -1330,7 +1331,7 @@
           <a:p>
             <a:fld id="{1FFD9451-758E-4F4B-8EC8-A223DDE6F6D8}" type="datetimeFigureOut">
               <a:rPr lang="he-IL" smtClean="0"/>
-              <a:t>י"ז/טבת/תשפ"ג</a:t>
+              <a:t>כ"ה/טבת/תשפ"ג</a:t>
             </a:fld>
             <a:endParaRPr lang="he-IL"/>
           </a:p>
@@ -1576,7 +1577,7 @@
           <a:p>
             <a:fld id="{1FFD9451-758E-4F4B-8EC8-A223DDE6F6D8}" type="datetimeFigureOut">
               <a:rPr lang="he-IL" smtClean="0"/>
-              <a:t>י"ז/טבת/תשפ"ג</a:t>
+              <a:t>כ"ה/טבת/תשפ"ג</a:t>
             </a:fld>
             <a:endParaRPr lang="he-IL"/>
           </a:p>
@@ -1808,7 +1809,7 @@
           <a:p>
             <a:fld id="{1FFD9451-758E-4F4B-8EC8-A223DDE6F6D8}" type="datetimeFigureOut">
               <a:rPr lang="he-IL" smtClean="0"/>
-              <a:t>י"ז/טבת/תשפ"ג</a:t>
+              <a:t>כ"ה/טבת/תשפ"ג</a:t>
             </a:fld>
             <a:endParaRPr lang="he-IL"/>
           </a:p>
@@ -2175,7 +2176,7 @@
           <a:p>
             <a:fld id="{1FFD9451-758E-4F4B-8EC8-A223DDE6F6D8}" type="datetimeFigureOut">
               <a:rPr lang="he-IL" smtClean="0"/>
-              <a:t>י"ז/טבת/תשפ"ג</a:t>
+              <a:t>כ"ה/טבת/תשפ"ג</a:t>
             </a:fld>
             <a:endParaRPr lang="he-IL"/>
           </a:p>
@@ -2293,7 +2294,7 @@
           <a:p>
             <a:fld id="{1FFD9451-758E-4F4B-8EC8-A223DDE6F6D8}" type="datetimeFigureOut">
               <a:rPr lang="he-IL" smtClean="0"/>
-              <a:t>י"ז/טבת/תשפ"ג</a:t>
+              <a:t>כ"ה/טבת/תשפ"ג</a:t>
             </a:fld>
             <a:endParaRPr lang="he-IL"/>
           </a:p>
@@ -2388,7 +2389,7 @@
           <a:p>
             <a:fld id="{1FFD9451-758E-4F4B-8EC8-A223DDE6F6D8}" type="datetimeFigureOut">
               <a:rPr lang="he-IL" smtClean="0"/>
-              <a:t>י"ז/טבת/תשפ"ג</a:t>
+              <a:t>כ"ה/טבת/תשפ"ג</a:t>
             </a:fld>
             <a:endParaRPr lang="he-IL"/>
           </a:p>
@@ -2665,7 +2666,7 @@
           <a:p>
             <a:fld id="{1FFD9451-758E-4F4B-8EC8-A223DDE6F6D8}" type="datetimeFigureOut">
               <a:rPr lang="he-IL" smtClean="0"/>
-              <a:t>י"ז/טבת/תשפ"ג</a:t>
+              <a:t>כ"ה/טבת/תשפ"ג</a:t>
             </a:fld>
             <a:endParaRPr lang="he-IL"/>
           </a:p>
@@ -2922,7 +2923,7 @@
           <a:p>
             <a:fld id="{1FFD9451-758E-4F4B-8EC8-A223DDE6F6D8}" type="datetimeFigureOut">
               <a:rPr lang="he-IL" smtClean="0"/>
-              <a:t>י"ז/טבת/תשפ"ג</a:t>
+              <a:t>כ"ה/טבת/תשפ"ג</a:t>
             </a:fld>
             <a:endParaRPr lang="he-IL"/>
           </a:p>
@@ -3135,7 +3136,7 @@
           <a:p>
             <a:fld id="{1FFD9451-758E-4F4B-8EC8-A223DDE6F6D8}" type="datetimeFigureOut">
               <a:rPr lang="he-IL" smtClean="0"/>
-              <a:t>י"ז/טבת/תשפ"ג</a:t>
+              <a:t>כ"ה/טבת/תשפ"ג</a:t>
             </a:fld>
             <a:endParaRPr lang="he-IL"/>
           </a:p>
@@ -5779,6 +5780,1179 @@
       </p:grpSpPr>
       <p:pic>
         <p:nvPicPr>
+          <p:cNvPr id="8" name="Picture 7" descr="Graphical user interface, diagram&#10;&#10;Description automatically generated">
+            <a:extLst>
+              <a:ext uri="{FF2B5EF4-FFF2-40B4-BE49-F238E27FC236}">
+                <a16:creationId xmlns:a16="http://schemas.microsoft.com/office/drawing/2014/main" id="{1EDC3EE7-064A-6696-7A6B-EA1D321FF5CC}"/>
+              </a:ext>
+            </a:extLst>
+          </p:cNvPr>
+          <p:cNvPicPr>
+            <a:picLocks noChangeAspect="1"/>
+          </p:cNvPicPr>
+          <p:nvPr/>
+        </p:nvPicPr>
+        <p:blipFill>
+          <a:blip r:embed="rId2"/>
+          <a:stretch>
+            <a:fillRect/>
+          </a:stretch>
+        </p:blipFill>
+        <p:spPr>
+          <a:xfrm>
+            <a:off x="11339848" y="0"/>
+            <a:ext cx="6129324" cy="5313514"/>
+          </a:xfrm>
+          <a:prstGeom prst="rect">
+            <a:avLst/>
+          </a:prstGeom>
+        </p:spPr>
+      </p:pic>
+      <p:sp>
+        <p:nvSpPr>
+          <p:cNvPr id="13" name="Freeform: Shape 12">
+            <a:extLst>
+              <a:ext uri="{FF2B5EF4-FFF2-40B4-BE49-F238E27FC236}">
+                <a16:creationId xmlns:a16="http://schemas.microsoft.com/office/drawing/2014/main" id="{12908987-BBFC-D4CE-C18D-5481A5BA5CAE}"/>
+              </a:ext>
+            </a:extLst>
+          </p:cNvPr>
+          <p:cNvSpPr/>
+          <p:nvPr/>
+        </p:nvSpPr>
+        <p:spPr>
+          <a:xfrm>
+            <a:off x="14854120" y="1712728"/>
+            <a:ext cx="761514" cy="2425964"/>
+          </a:xfrm>
+          <a:custGeom>
+            <a:avLst/>
+            <a:gdLst>
+              <a:gd name="connsiteX0" fmla="*/ 0 w 901522"/>
+              <a:gd name="connsiteY0" fmla="*/ 2871989 h 2871989"/>
+              <a:gd name="connsiteX1" fmla="*/ 19319 w 901522"/>
+              <a:gd name="connsiteY1" fmla="*/ 2801155 h 2871989"/>
+              <a:gd name="connsiteX2" fmla="*/ 64395 w 901522"/>
+              <a:gd name="connsiteY2" fmla="*/ 2730321 h 2871989"/>
+              <a:gd name="connsiteX3" fmla="*/ 160986 w 901522"/>
+              <a:gd name="connsiteY3" fmla="*/ 2646608 h 2871989"/>
+              <a:gd name="connsiteX4" fmla="*/ 199623 w 901522"/>
+              <a:gd name="connsiteY4" fmla="*/ 2627290 h 2871989"/>
+              <a:gd name="connsiteX5" fmla="*/ 244699 w 901522"/>
+              <a:gd name="connsiteY5" fmla="*/ 2588654 h 2871989"/>
+              <a:gd name="connsiteX6" fmla="*/ 309093 w 901522"/>
+              <a:gd name="connsiteY6" fmla="*/ 2543577 h 2871989"/>
+              <a:gd name="connsiteX7" fmla="*/ 360609 w 901522"/>
+              <a:gd name="connsiteY7" fmla="*/ 2498501 h 2871989"/>
+              <a:gd name="connsiteX8" fmla="*/ 418564 w 901522"/>
+              <a:gd name="connsiteY8" fmla="*/ 2453425 h 2871989"/>
+              <a:gd name="connsiteX9" fmla="*/ 502276 w 901522"/>
+              <a:gd name="connsiteY9" fmla="*/ 2363273 h 2871989"/>
+              <a:gd name="connsiteX10" fmla="*/ 540913 w 901522"/>
+              <a:gd name="connsiteY10" fmla="*/ 2318197 h 2871989"/>
+              <a:gd name="connsiteX11" fmla="*/ 663262 w 901522"/>
+              <a:gd name="connsiteY11" fmla="*/ 2170090 h 2871989"/>
+              <a:gd name="connsiteX12" fmla="*/ 708338 w 901522"/>
+              <a:gd name="connsiteY12" fmla="*/ 2092817 h 2871989"/>
+              <a:gd name="connsiteX13" fmla="*/ 785612 w 901522"/>
+              <a:gd name="connsiteY13" fmla="*/ 1815921 h 2871989"/>
+              <a:gd name="connsiteX14" fmla="*/ 817809 w 901522"/>
+              <a:gd name="connsiteY14" fmla="*/ 1687132 h 2871989"/>
+              <a:gd name="connsiteX15" fmla="*/ 830688 w 901522"/>
+              <a:gd name="connsiteY15" fmla="*/ 1571223 h 2871989"/>
+              <a:gd name="connsiteX16" fmla="*/ 850006 w 901522"/>
+              <a:gd name="connsiteY16" fmla="*/ 1487510 h 2871989"/>
+              <a:gd name="connsiteX17" fmla="*/ 869324 w 901522"/>
+              <a:gd name="connsiteY17" fmla="*/ 1384479 h 2871989"/>
+              <a:gd name="connsiteX18" fmla="*/ 882203 w 901522"/>
+              <a:gd name="connsiteY18" fmla="*/ 1210614 h 2871989"/>
+              <a:gd name="connsiteX19" fmla="*/ 901522 w 901522"/>
+              <a:gd name="connsiteY19" fmla="*/ 1126901 h 2871989"/>
+              <a:gd name="connsiteX20" fmla="*/ 882203 w 901522"/>
+              <a:gd name="connsiteY20" fmla="*/ 534473 h 2871989"/>
+              <a:gd name="connsiteX21" fmla="*/ 875764 w 901522"/>
+              <a:gd name="connsiteY21" fmla="*/ 470079 h 2871989"/>
+              <a:gd name="connsiteX22" fmla="*/ 843567 w 901522"/>
+              <a:gd name="connsiteY22" fmla="*/ 341290 h 2871989"/>
+              <a:gd name="connsiteX23" fmla="*/ 811369 w 901522"/>
+              <a:gd name="connsiteY23" fmla="*/ 225380 h 2871989"/>
+              <a:gd name="connsiteX24" fmla="*/ 798491 w 901522"/>
+              <a:gd name="connsiteY24" fmla="*/ 180304 h 2871989"/>
+              <a:gd name="connsiteX25" fmla="*/ 792051 w 901522"/>
+              <a:gd name="connsiteY25" fmla="*/ 141668 h 2871989"/>
+              <a:gd name="connsiteX26" fmla="*/ 772733 w 901522"/>
+              <a:gd name="connsiteY26" fmla="*/ 115910 h 2871989"/>
+              <a:gd name="connsiteX27" fmla="*/ 759854 w 901522"/>
+              <a:gd name="connsiteY27" fmla="*/ 0 h 2871989"/>
+            </a:gdLst>
+            <a:ahLst/>
+            <a:cxnLst>
+              <a:cxn ang="0">
+                <a:pos x="connsiteX0" y="connsiteY0"/>
+              </a:cxn>
+              <a:cxn ang="0">
+                <a:pos x="connsiteX1" y="connsiteY1"/>
+              </a:cxn>
+              <a:cxn ang="0">
+                <a:pos x="connsiteX2" y="connsiteY2"/>
+              </a:cxn>
+              <a:cxn ang="0">
+                <a:pos x="connsiteX3" y="connsiteY3"/>
+              </a:cxn>
+              <a:cxn ang="0">
+                <a:pos x="connsiteX4" y="connsiteY4"/>
+              </a:cxn>
+              <a:cxn ang="0">
+                <a:pos x="connsiteX5" y="connsiteY5"/>
+              </a:cxn>
+              <a:cxn ang="0">
+                <a:pos x="connsiteX6" y="connsiteY6"/>
+              </a:cxn>
+              <a:cxn ang="0">
+                <a:pos x="connsiteX7" y="connsiteY7"/>
+              </a:cxn>
+              <a:cxn ang="0">
+                <a:pos x="connsiteX8" y="connsiteY8"/>
+              </a:cxn>
+              <a:cxn ang="0">
+                <a:pos x="connsiteX9" y="connsiteY9"/>
+              </a:cxn>
+              <a:cxn ang="0">
+                <a:pos x="connsiteX10" y="connsiteY10"/>
+              </a:cxn>
+              <a:cxn ang="0">
+                <a:pos x="connsiteX11" y="connsiteY11"/>
+              </a:cxn>
+              <a:cxn ang="0">
+                <a:pos x="connsiteX12" y="connsiteY12"/>
+              </a:cxn>
+              <a:cxn ang="0">
+                <a:pos x="connsiteX13" y="connsiteY13"/>
+              </a:cxn>
+              <a:cxn ang="0">
+                <a:pos x="connsiteX14" y="connsiteY14"/>
+              </a:cxn>
+              <a:cxn ang="0">
+                <a:pos x="connsiteX15" y="connsiteY15"/>
+              </a:cxn>
+              <a:cxn ang="0">
+                <a:pos x="connsiteX16" y="connsiteY16"/>
+              </a:cxn>
+              <a:cxn ang="0">
+                <a:pos x="connsiteX17" y="connsiteY17"/>
+              </a:cxn>
+              <a:cxn ang="0">
+                <a:pos x="connsiteX18" y="connsiteY18"/>
+              </a:cxn>
+              <a:cxn ang="0">
+                <a:pos x="connsiteX19" y="connsiteY19"/>
+              </a:cxn>
+              <a:cxn ang="0">
+                <a:pos x="connsiteX20" y="connsiteY20"/>
+              </a:cxn>
+              <a:cxn ang="0">
+                <a:pos x="connsiteX21" y="connsiteY21"/>
+              </a:cxn>
+              <a:cxn ang="0">
+                <a:pos x="connsiteX22" y="connsiteY22"/>
+              </a:cxn>
+              <a:cxn ang="0">
+                <a:pos x="connsiteX23" y="connsiteY23"/>
+              </a:cxn>
+              <a:cxn ang="0">
+                <a:pos x="connsiteX24" y="connsiteY24"/>
+              </a:cxn>
+              <a:cxn ang="0">
+                <a:pos x="connsiteX25" y="connsiteY25"/>
+              </a:cxn>
+              <a:cxn ang="0">
+                <a:pos x="connsiteX26" y="connsiteY26"/>
+              </a:cxn>
+              <a:cxn ang="0">
+                <a:pos x="connsiteX27" y="connsiteY27"/>
+              </a:cxn>
+            </a:cxnLst>
+            <a:rect l="l" t="t" r="r" b="b"/>
+            <a:pathLst>
+              <a:path w="901522" h="2871989">
+                <a:moveTo>
+                  <a:pt x="0" y="2871989"/>
+                </a:moveTo>
+                <a:cubicBezTo>
+                  <a:pt x="6440" y="2848378"/>
+                  <a:pt x="9192" y="2823435"/>
+                  <a:pt x="19319" y="2801155"/>
+                </a:cubicBezTo>
+                <a:cubicBezTo>
+                  <a:pt x="30900" y="2775677"/>
+                  <a:pt x="44605" y="2750111"/>
+                  <a:pt x="64395" y="2730321"/>
+                </a:cubicBezTo>
+                <a:cubicBezTo>
+                  <a:pt x="107036" y="2687680"/>
+                  <a:pt x="112824" y="2676246"/>
+                  <a:pt x="160986" y="2646608"/>
+                </a:cubicBezTo>
+                <a:cubicBezTo>
+                  <a:pt x="173249" y="2639061"/>
+                  <a:pt x="187784" y="2635486"/>
+                  <a:pt x="199623" y="2627290"/>
+                </a:cubicBezTo>
+                <a:cubicBezTo>
+                  <a:pt x="215894" y="2616026"/>
+                  <a:pt x="228979" y="2600675"/>
+                  <a:pt x="244699" y="2588654"/>
+                </a:cubicBezTo>
+                <a:cubicBezTo>
+                  <a:pt x="265512" y="2572738"/>
+                  <a:pt x="288411" y="2559663"/>
+                  <a:pt x="309093" y="2543577"/>
+                </a:cubicBezTo>
+                <a:cubicBezTo>
+                  <a:pt x="327104" y="2529568"/>
+                  <a:pt x="342995" y="2513006"/>
+                  <a:pt x="360609" y="2498501"/>
+                </a:cubicBezTo>
+                <a:cubicBezTo>
+                  <a:pt x="379501" y="2482943"/>
+                  <a:pt x="399246" y="2468450"/>
+                  <a:pt x="418564" y="2453425"/>
+                </a:cubicBezTo>
+                <a:cubicBezTo>
+                  <a:pt x="479126" y="2356526"/>
+                  <a:pt x="416553" y="2442873"/>
+                  <a:pt x="502276" y="2363273"/>
+                </a:cubicBezTo>
+                <a:cubicBezTo>
+                  <a:pt x="516778" y="2349807"/>
+                  <a:pt x="527490" y="2332738"/>
+                  <a:pt x="540913" y="2318197"/>
+                </a:cubicBezTo>
+                <a:cubicBezTo>
+                  <a:pt x="597213" y="2257207"/>
+                  <a:pt x="605864" y="2268486"/>
+                  <a:pt x="663262" y="2170090"/>
+                </a:cubicBezTo>
+                <a:cubicBezTo>
+                  <a:pt x="678287" y="2144332"/>
+                  <a:pt x="696591" y="2120226"/>
+                  <a:pt x="708338" y="2092817"/>
+                </a:cubicBezTo>
+                <a:cubicBezTo>
+                  <a:pt x="768642" y="1952109"/>
+                  <a:pt x="754289" y="1955135"/>
+                  <a:pt x="785612" y="1815921"/>
+                </a:cubicBezTo>
+                <a:cubicBezTo>
+                  <a:pt x="795326" y="1772749"/>
+                  <a:pt x="807077" y="1730062"/>
+                  <a:pt x="817809" y="1687132"/>
+                </a:cubicBezTo>
+                <a:cubicBezTo>
+                  <a:pt x="822102" y="1648496"/>
+                  <a:pt x="824498" y="1609601"/>
+                  <a:pt x="830688" y="1571223"/>
+                </a:cubicBezTo>
+                <a:cubicBezTo>
+                  <a:pt x="835248" y="1542951"/>
+                  <a:pt x="844204" y="1515554"/>
+                  <a:pt x="850006" y="1487510"/>
+                </a:cubicBezTo>
+                <a:cubicBezTo>
+                  <a:pt x="857085" y="1453293"/>
+                  <a:pt x="862885" y="1418823"/>
+                  <a:pt x="869324" y="1384479"/>
+                </a:cubicBezTo>
+                <a:cubicBezTo>
+                  <a:pt x="870308" y="1368744"/>
+                  <a:pt x="877427" y="1239268"/>
+                  <a:pt x="882203" y="1210614"/>
+                </a:cubicBezTo>
+                <a:cubicBezTo>
+                  <a:pt x="886911" y="1182366"/>
+                  <a:pt x="895082" y="1154805"/>
+                  <a:pt x="901522" y="1126901"/>
+                </a:cubicBezTo>
+                <a:cubicBezTo>
+                  <a:pt x="895026" y="678719"/>
+                  <a:pt x="907692" y="814860"/>
+                  <a:pt x="882203" y="534473"/>
+                </a:cubicBezTo>
+                <a:cubicBezTo>
+                  <a:pt x="880250" y="512990"/>
+                  <a:pt x="879994" y="491232"/>
+                  <a:pt x="875764" y="470079"/>
+                </a:cubicBezTo>
+                <a:cubicBezTo>
+                  <a:pt x="867086" y="426687"/>
+                  <a:pt x="852245" y="384682"/>
+                  <a:pt x="843567" y="341290"/>
+                </a:cubicBezTo>
+                <a:cubicBezTo>
+                  <a:pt x="821717" y="232043"/>
+                  <a:pt x="842877" y="319904"/>
+                  <a:pt x="811369" y="225380"/>
+                </a:cubicBezTo>
+                <a:cubicBezTo>
+                  <a:pt x="806428" y="210555"/>
+                  <a:pt x="802005" y="195530"/>
+                  <a:pt x="798491" y="180304"/>
+                </a:cubicBezTo>
+                <a:cubicBezTo>
+                  <a:pt x="795555" y="167582"/>
+                  <a:pt x="796900" y="153790"/>
+                  <a:pt x="792051" y="141668"/>
+                </a:cubicBezTo>
+                <a:cubicBezTo>
+                  <a:pt x="788065" y="131703"/>
+                  <a:pt x="779172" y="124496"/>
+                  <a:pt x="772733" y="115910"/>
+                </a:cubicBezTo>
+                <a:cubicBezTo>
+                  <a:pt x="759322" y="8619"/>
+                  <a:pt x="759854" y="47490"/>
+                  <a:pt x="759854" y="0"/>
+                </a:cubicBezTo>
+              </a:path>
+            </a:pathLst>
+          </a:custGeom>
+          <a:noFill/>
+          <a:ln w="114300">
+            <a:solidFill>
+              <a:srgbClr val="0CEDF2"/>
+            </a:solidFill>
+          </a:ln>
+        </p:spPr>
+        <p:style>
+          <a:lnRef idx="2">
+            <a:schemeClr val="accent1">
+              <a:shade val="50000"/>
+            </a:schemeClr>
+          </a:lnRef>
+          <a:fillRef idx="1">
+            <a:schemeClr val="accent1"/>
+          </a:fillRef>
+          <a:effectRef idx="0">
+            <a:schemeClr val="accent1"/>
+          </a:effectRef>
+          <a:fontRef idx="minor">
+            <a:schemeClr val="lt1"/>
+          </a:fontRef>
+        </p:style>
+        <p:txBody>
+          <a:bodyPr rtlCol="1" anchor="ctr"/>
+          <a:lstStyle/>
+          <a:p>
+            <a:pPr algn="ctr"/>
+            <a:endParaRPr lang="he-IL"/>
+          </a:p>
+        </p:txBody>
+      </p:sp>
+      <p:pic>
+        <p:nvPicPr>
+          <p:cNvPr id="14" name="Picture 13">
+            <a:extLst>
+              <a:ext uri="{FF2B5EF4-FFF2-40B4-BE49-F238E27FC236}">
+                <a16:creationId xmlns:a16="http://schemas.microsoft.com/office/drawing/2014/main" id="{A4E33517-F20E-DAB8-96A0-8BF13E1DFAB3}"/>
+              </a:ext>
+            </a:extLst>
+          </p:cNvPr>
+          <p:cNvPicPr>
+            <a:picLocks noChangeAspect="1"/>
+          </p:cNvPicPr>
+          <p:nvPr/>
+        </p:nvPicPr>
+        <p:blipFill>
+          <a:blip r:embed="rId3"/>
+          <a:stretch>
+            <a:fillRect/>
+          </a:stretch>
+        </p:blipFill>
+        <p:spPr>
+          <a:xfrm>
+            <a:off x="6410326" y="1351714"/>
+            <a:ext cx="4093386" cy="1689905"/>
+          </a:xfrm>
+          <a:prstGeom prst="rect">
+            <a:avLst/>
+          </a:prstGeom>
+        </p:spPr>
+      </p:pic>
+      <p:sp>
+        <p:nvSpPr>
+          <p:cNvPr id="4" name="TextBox 3">
+            <a:extLst>
+              <a:ext uri="{FF2B5EF4-FFF2-40B4-BE49-F238E27FC236}">
+                <a16:creationId xmlns:a16="http://schemas.microsoft.com/office/drawing/2014/main" id="{8CFFBE8A-6413-43CF-E05E-E2C0E041B4D7}"/>
+              </a:ext>
+            </a:extLst>
+          </p:cNvPr>
+          <p:cNvSpPr txBox="1"/>
+          <p:nvPr/>
+        </p:nvSpPr>
+        <p:spPr>
+          <a:xfrm>
+            <a:off x="1221834" y="1042504"/>
+            <a:ext cx="4093386" cy="2308324"/>
+          </a:xfrm>
+          <a:prstGeom prst="rect">
+            <a:avLst/>
+          </a:prstGeom>
+          <a:noFill/>
+        </p:spPr>
+        <p:txBody>
+          <a:bodyPr wrap="square" rtlCol="1">
+            <a:spAutoFit/>
+          </a:bodyPr>
+          <a:lstStyle/>
+          <a:p>
+            <a:pPr algn="ctr"/>
+            <a:r>
+              <a:rPr lang="en-US" sz="7200" dirty="0"/>
+              <a:t>Direct Measure</a:t>
+            </a:r>
+            <a:endParaRPr lang="he-IL" sz="7200" dirty="0"/>
+          </a:p>
+        </p:txBody>
+      </p:sp>
+      <mc:AlternateContent xmlns:mc="http://schemas.openxmlformats.org/markup-compatibility/2006" xmlns:a14="http://schemas.microsoft.com/office/drawing/2010/main">
+        <mc:Choice Requires="a14">
+          <p:sp>
+            <p:nvSpPr>
+              <p:cNvPr id="3" name="TextBox 2">
+                <a:extLst>
+                  <a:ext uri="{FF2B5EF4-FFF2-40B4-BE49-F238E27FC236}">
+                    <a16:creationId xmlns:a16="http://schemas.microsoft.com/office/drawing/2014/main" id="{C9270438-48BD-1FAC-3CFE-F0B7600937F7}"/>
+                  </a:ext>
+                </a:extLst>
+              </p:cNvPr>
+              <p:cNvSpPr txBox="1"/>
+              <p:nvPr/>
+            </p:nvSpPr>
+            <p:spPr>
+              <a:xfrm>
+                <a:off x="1461653" y="6433902"/>
+                <a:ext cx="5146965" cy="2000548"/>
+              </a:xfrm>
+              <a:prstGeom prst="rect">
+                <a:avLst/>
+              </a:prstGeom>
+              <a:noFill/>
+            </p:spPr>
+            <p:txBody>
+              <a:bodyPr wrap="square" rtlCol="1">
+                <a:spAutoFit/>
+              </a:bodyPr>
+              <a:lstStyle/>
+              <a:p>
+                <a14:m>
+                  <m:oMath xmlns:m="http://schemas.openxmlformats.org/officeDocument/2006/math">
+                    <m:sSup>
+                      <m:sSupPr>
+                        <m:ctrlPr>
+                          <a:rPr lang="en-US" sz="4000" b="0" i="1" smtClean="0">
+                            <a:latin typeface="Cambria Math" panose="02040503050406030204" pitchFamily="18" charset="0"/>
+                          </a:rPr>
+                        </m:ctrlPr>
+                      </m:sSupPr>
+                      <m:e>
+                        <m:r>
+                          <a:rPr lang="en-US" sz="4000" b="0" i="1" smtClean="0">
+                            <a:latin typeface="Cambria Math" panose="02040503050406030204" pitchFamily="18" charset="0"/>
+                          </a:rPr>
+                          <m:t>𝑑</m:t>
+                        </m:r>
+                      </m:e>
+                      <m:sup>
+                        <m:r>
+                          <a:rPr lang="en-US" sz="4000" b="0" i="1" smtClean="0">
+                            <a:latin typeface="Cambria Math" panose="02040503050406030204" pitchFamily="18" charset="0"/>
+                          </a:rPr>
+                          <m:t>′</m:t>
+                        </m:r>
+                      </m:sup>
+                    </m:sSup>
+                    <m:r>
+                      <a:rPr lang="en-US" sz="4000" b="0" i="1" smtClean="0">
+                        <a:latin typeface="Cambria Math" panose="02040503050406030204" pitchFamily="18" charset="0"/>
+                      </a:rPr>
+                      <m:t>=</m:t>
+                    </m:r>
+                    <m:r>
+                      <a:rPr lang="en-US" sz="4000" b="0" i="1" smtClean="0">
+                        <a:latin typeface="Cambria Math" panose="02040503050406030204" pitchFamily="18" charset="0"/>
+                      </a:rPr>
+                      <m:t>2</m:t>
+                    </m:r>
+                    <m:r>
+                      <a:rPr lang="en-US" sz="4000" b="0" i="1" smtClean="0">
+                        <a:latin typeface="Cambria Math" panose="02040503050406030204" pitchFamily="18" charset="0"/>
+                      </a:rPr>
+                      <m:t>∙</m:t>
+                    </m:r>
+                    <m:r>
+                      <m:rPr>
+                        <m:sty m:val="p"/>
+                      </m:rPr>
+                      <a:rPr lang="en-US" sz="4000" b="0" i="0" smtClean="0">
+                        <a:latin typeface="Cambria Math" panose="02040503050406030204" pitchFamily="18" charset="0"/>
+                      </a:rPr>
+                      <m:t>Φ</m:t>
+                    </m:r>
+                    <m:r>
+                      <a:rPr lang="en-US" sz="4000" b="0" i="1" smtClean="0">
+                        <a:latin typeface="Cambria Math" panose="02040503050406030204" pitchFamily="18" charset="0"/>
+                      </a:rPr>
+                      <m:t>(%</m:t>
+                    </m:r>
+                    <m:r>
+                      <a:rPr lang="en-US" sz="4000" b="0" i="1" smtClean="0">
+                        <a:latin typeface="Cambria Math" panose="02040503050406030204" pitchFamily="18" charset="0"/>
+                      </a:rPr>
+                      <m:t>𝐶𝑜𝑟𝑟𝑒𝑐𝑡</m:t>
+                    </m:r>
+                    <m:r>
+                      <a:rPr lang="en-US" sz="4000" b="0" i="1" smtClean="0">
+                        <a:latin typeface="Cambria Math" panose="02040503050406030204" pitchFamily="18" charset="0"/>
+                      </a:rPr>
+                      <m:t>)</m:t>
+                    </m:r>
+                  </m:oMath>
+                </a14:m>
+                <a:r>
+                  <a:rPr lang="en-US" sz="4000" b="0" dirty="0"/>
+                  <a:t> </a:t>
+                </a:r>
+              </a:p>
+              <a:p>
+                <a:endParaRPr lang="en-US" sz="2800" b="0" i="0" dirty="0">
+                  <a:latin typeface="Cambria Math" panose="02040503050406030204" pitchFamily="18" charset="0"/>
+                </a:endParaRPr>
+              </a:p>
+              <a:p>
+                <a14:m>
+                  <m:oMath xmlns:m="http://schemas.openxmlformats.org/officeDocument/2006/math">
+                    <m:r>
+                      <m:rPr>
+                        <m:sty m:val="p"/>
+                      </m:rPr>
+                      <a:rPr lang="en-US" sz="2800" b="0" i="0" smtClean="0">
+                        <a:latin typeface="Cambria Math" panose="02040503050406030204" pitchFamily="18" charset="0"/>
+                      </a:rPr>
+                      <m:t>Φ</m:t>
+                    </m:r>
+                  </m:oMath>
+                </a14:m>
+                <a:r>
+                  <a:rPr lang="en-US" sz="2800" b="0" dirty="0"/>
+                  <a:t> – inverse cumulative</a:t>
+                </a:r>
+              </a:p>
+              <a:p>
+                <a:r>
+                  <a:rPr lang="en-US" sz="2800" b="0" dirty="0"/>
+                  <a:t>        normal distribution</a:t>
+                </a:r>
+              </a:p>
+            </p:txBody>
+          </p:sp>
+        </mc:Choice>
+        <mc:Fallback xmlns="">
+          <p:sp>
+            <p:nvSpPr>
+              <p:cNvPr id="3" name="TextBox 2">
+                <a:extLst>
+                  <a:ext uri="{FF2B5EF4-FFF2-40B4-BE49-F238E27FC236}">
+                    <a16:creationId xmlns:a16="http://schemas.microsoft.com/office/drawing/2014/main" id="{C9270438-48BD-1FAC-3CFE-F0B7600937F7}"/>
+                  </a:ext>
+                </a:extLst>
+              </p:cNvPr>
+              <p:cNvSpPr txBox="1">
+                <a:spLocks noRot="1" noChangeAspect="1" noMove="1" noResize="1" noEditPoints="1" noAdjustHandles="1" noChangeArrowheads="1" noChangeShapeType="1" noTextEdit="1"/>
+              </p:cNvSpPr>
+              <p:nvPr/>
+            </p:nvSpPr>
+            <p:spPr>
+              <a:xfrm>
+                <a:off x="1461653" y="6433902"/>
+                <a:ext cx="5146965" cy="2000548"/>
+              </a:xfrm>
+              <a:prstGeom prst="rect">
+                <a:avLst/>
+              </a:prstGeom>
+              <a:blipFill>
+                <a:blip r:embed="rId4"/>
+                <a:stretch>
+                  <a:fillRect b="-7599"/>
+                </a:stretch>
+              </a:blipFill>
+            </p:spPr>
+            <p:txBody>
+              <a:bodyPr/>
+              <a:lstStyle/>
+              <a:p>
+                <a:r>
+                  <a:rPr lang="he-IL">
+                    <a:noFill/>
+                  </a:rPr>
+                  <a:t> </a:t>
+                </a:r>
+              </a:p>
+            </p:txBody>
+          </p:sp>
+        </mc:Fallback>
+      </mc:AlternateContent>
+      <mc:AlternateContent xmlns:mc="http://schemas.openxmlformats.org/markup-compatibility/2006" xmlns:a14="http://schemas.microsoft.com/office/drawing/2010/main">
+        <mc:Choice Requires="a14">
+          <p:sp>
+            <p:nvSpPr>
+              <p:cNvPr id="5" name="TextBox 4">
+                <a:extLst>
+                  <a:ext uri="{FF2B5EF4-FFF2-40B4-BE49-F238E27FC236}">
+                    <a16:creationId xmlns:a16="http://schemas.microsoft.com/office/drawing/2014/main" id="{4FE13592-A09C-08FA-7898-D711DFC87AC7}"/>
+                  </a:ext>
+                </a:extLst>
+              </p:cNvPr>
+              <p:cNvSpPr txBox="1"/>
+              <p:nvPr/>
+            </p:nvSpPr>
+            <p:spPr>
+              <a:xfrm>
+                <a:off x="9761218" y="6395601"/>
+                <a:ext cx="6143216" cy="2106667"/>
+              </a:xfrm>
+              <a:prstGeom prst="rect">
+                <a:avLst/>
+              </a:prstGeom>
+              <a:noFill/>
+            </p:spPr>
+            <p:txBody>
+              <a:bodyPr wrap="square" rtlCol="1">
+                <a:spAutoFit/>
+              </a:bodyPr>
+              <a:lstStyle/>
+              <a:p>
+                <a14:m>
+                  <m:oMath xmlns:m="http://schemas.openxmlformats.org/officeDocument/2006/math">
+                    <m:sSup>
+                      <m:sSupPr>
+                        <m:ctrlPr>
+                          <a:rPr lang="en-US" sz="4800" b="0" i="1" smtClean="0">
+                            <a:latin typeface="Cambria Math" panose="02040503050406030204" pitchFamily="18" charset="0"/>
+                          </a:rPr>
+                        </m:ctrlPr>
+                      </m:sSupPr>
+                      <m:e>
+                        <m:r>
+                          <a:rPr lang="en-US" sz="4800" b="0" i="1" smtClean="0">
+                            <a:latin typeface="Cambria Math" panose="02040503050406030204" pitchFamily="18" charset="0"/>
+                          </a:rPr>
+                          <m:t>𝑑</m:t>
+                        </m:r>
+                      </m:e>
+                      <m:sup>
+                        <m:r>
+                          <a:rPr lang="en-US" sz="4800" b="0" i="1" smtClean="0">
+                            <a:latin typeface="Cambria Math" panose="02040503050406030204" pitchFamily="18" charset="0"/>
+                          </a:rPr>
+                          <m:t>′</m:t>
+                        </m:r>
+                      </m:sup>
+                    </m:sSup>
+                    <m:r>
+                      <a:rPr lang="en-US" sz="4800" b="0" i="1" smtClean="0">
+                        <a:latin typeface="Cambria Math" panose="02040503050406030204" pitchFamily="18" charset="0"/>
+                      </a:rPr>
+                      <m:t>=</m:t>
+                    </m:r>
+                    <m:r>
+                      <a:rPr lang="en-US" sz="4800" b="0" i="1" smtClean="0">
+                        <a:latin typeface="Cambria Math" panose="02040503050406030204" pitchFamily="18" charset="0"/>
+                      </a:rPr>
+                      <m:t>𝑍</m:t>
+                    </m:r>
+                    <m:d>
+                      <m:dPr>
+                        <m:ctrlPr>
+                          <a:rPr lang="en-US" sz="4800" b="0" i="1" smtClean="0">
+                            <a:latin typeface="Cambria Math" panose="02040503050406030204" pitchFamily="18" charset="0"/>
+                          </a:rPr>
+                        </m:ctrlPr>
+                      </m:dPr>
+                      <m:e>
+                        <m:r>
+                          <a:rPr lang="en-US" sz="4800" b="0" i="1" smtClean="0">
+                            <a:latin typeface="Cambria Math" panose="02040503050406030204" pitchFamily="18" charset="0"/>
+                          </a:rPr>
+                          <m:t>𝐻</m:t>
+                        </m:r>
+                      </m:e>
+                    </m:d>
+                    <m:r>
+                      <a:rPr lang="en-US" sz="4800" b="0" i="1" smtClean="0">
+                        <a:latin typeface="Cambria Math" panose="02040503050406030204" pitchFamily="18" charset="0"/>
+                      </a:rPr>
+                      <m:t>−</m:t>
+                    </m:r>
+                    <m:r>
+                      <a:rPr lang="en-US" sz="4800" b="0" i="1" smtClean="0">
+                        <a:latin typeface="Cambria Math" panose="02040503050406030204" pitchFamily="18" charset="0"/>
+                      </a:rPr>
+                      <m:t>𝑍</m:t>
+                    </m:r>
+                    <m:r>
+                      <a:rPr lang="en-US" sz="4800" b="0" i="1" smtClean="0">
+                        <a:latin typeface="Cambria Math" panose="02040503050406030204" pitchFamily="18" charset="0"/>
+                      </a:rPr>
+                      <m:t>(</m:t>
+                    </m:r>
+                    <m:r>
+                      <a:rPr lang="en-US" sz="4800" b="0" i="1" smtClean="0">
+                        <a:latin typeface="Cambria Math" panose="02040503050406030204" pitchFamily="18" charset="0"/>
+                      </a:rPr>
+                      <m:t>𝐹𝐴</m:t>
+                    </m:r>
+                    <m:r>
+                      <a:rPr lang="en-US" sz="4800" b="0" i="1" smtClean="0">
+                        <a:latin typeface="Cambria Math" panose="02040503050406030204" pitchFamily="18" charset="0"/>
+                      </a:rPr>
+                      <m:t>)</m:t>
+                    </m:r>
+                  </m:oMath>
+                </a14:m>
+                <a:r>
+                  <a:rPr lang="en-US" sz="4000" dirty="0"/>
+                  <a:t> </a:t>
+                </a:r>
+              </a:p>
+              <a:p>
+                <a:endParaRPr lang="en-US" sz="2800" dirty="0"/>
+              </a:p>
+              <a:p>
+                <a:r>
+                  <a:rPr lang="en-US" sz="2800" dirty="0"/>
+                  <a:t>Hit = H</a:t>
+                </a:r>
+              </a:p>
+              <a:p>
+                <a:r>
+                  <a:rPr lang="en-US" sz="2800" dirty="0"/>
+                  <a:t>False Alarm = FA</a:t>
+                </a:r>
+              </a:p>
+            </p:txBody>
+          </p:sp>
+        </mc:Choice>
+        <mc:Fallback xmlns="">
+          <p:sp>
+            <p:nvSpPr>
+              <p:cNvPr id="5" name="TextBox 4">
+                <a:extLst>
+                  <a:ext uri="{FF2B5EF4-FFF2-40B4-BE49-F238E27FC236}">
+                    <a16:creationId xmlns:a16="http://schemas.microsoft.com/office/drawing/2014/main" id="{4FE13592-A09C-08FA-7898-D711DFC87AC7}"/>
+                  </a:ext>
+                </a:extLst>
+              </p:cNvPr>
+              <p:cNvSpPr txBox="1">
+                <a:spLocks noRot="1" noChangeAspect="1" noMove="1" noResize="1" noEditPoints="1" noAdjustHandles="1" noChangeArrowheads="1" noChangeShapeType="1" noTextEdit="1"/>
+              </p:cNvSpPr>
+              <p:nvPr/>
+            </p:nvSpPr>
+            <p:spPr>
+              <a:xfrm>
+                <a:off x="9761218" y="6395601"/>
+                <a:ext cx="6143216" cy="2106667"/>
+              </a:xfrm>
+              <a:prstGeom prst="rect">
+                <a:avLst/>
+              </a:prstGeom>
+              <a:blipFill>
+                <a:blip r:embed="rId5"/>
+                <a:stretch>
+                  <a:fillRect l="-1984" b="-7225"/>
+                </a:stretch>
+              </a:blipFill>
+            </p:spPr>
+            <p:txBody>
+              <a:bodyPr/>
+              <a:lstStyle/>
+              <a:p>
+                <a:r>
+                  <a:rPr lang="he-IL">
+                    <a:noFill/>
+                  </a:rPr>
+                  <a:t> </a:t>
+                </a:r>
+              </a:p>
+            </p:txBody>
+          </p:sp>
+        </mc:Fallback>
+      </mc:AlternateContent>
+      <p:sp>
+        <p:nvSpPr>
+          <p:cNvPr id="7" name="TextBox 6">
+            <a:extLst>
+              <a:ext uri="{FF2B5EF4-FFF2-40B4-BE49-F238E27FC236}">
+                <a16:creationId xmlns:a16="http://schemas.microsoft.com/office/drawing/2014/main" id="{46322E80-0413-F44D-1827-1950E371A3D9}"/>
+              </a:ext>
+            </a:extLst>
+          </p:cNvPr>
+          <p:cNvSpPr txBox="1"/>
+          <p:nvPr/>
+        </p:nvSpPr>
+        <p:spPr>
+          <a:xfrm>
+            <a:off x="2876769" y="9087035"/>
+            <a:ext cx="14284330" cy="1323439"/>
+          </a:xfrm>
+          <a:prstGeom prst="rect">
+            <a:avLst/>
+          </a:prstGeom>
+          <a:noFill/>
+        </p:spPr>
+        <p:txBody>
+          <a:bodyPr wrap="square" rtlCol="1">
+            <a:spAutoFit/>
+          </a:bodyPr>
+          <a:lstStyle/>
+          <a:p>
+            <a:r>
+              <a:rPr lang="en-US" sz="8000" dirty="0"/>
+              <a:t>d’                    d’                        d’</a:t>
+            </a:r>
+            <a:endParaRPr lang="he-IL" sz="8000" dirty="0"/>
+          </a:p>
+        </p:txBody>
+      </p:sp>
+      <p:sp>
+        <p:nvSpPr>
+          <p:cNvPr id="2" name="Thought Bubble: Cloud 1">
+            <a:extLst>
+              <a:ext uri="{FF2B5EF4-FFF2-40B4-BE49-F238E27FC236}">
+                <a16:creationId xmlns:a16="http://schemas.microsoft.com/office/drawing/2014/main" id="{C65EE0BB-D436-732B-07CB-6A00E791C664}"/>
+              </a:ext>
+            </a:extLst>
+          </p:cNvPr>
+          <p:cNvSpPr/>
+          <p:nvPr/>
+        </p:nvSpPr>
+        <p:spPr>
+          <a:xfrm>
+            <a:off x="5573864" y="4066572"/>
+            <a:ext cx="6782463" cy="2000548"/>
+          </a:xfrm>
+          <a:prstGeom prst="cloudCallout">
+            <a:avLst>
+              <a:gd name="adj1" fmla="val 14109"/>
+              <a:gd name="adj2" fmla="val 75672"/>
+            </a:avLst>
+          </a:prstGeom>
+          <a:solidFill>
+            <a:schemeClr val="bg1"/>
+          </a:solidFill>
+        </p:spPr>
+        <p:style>
+          <a:lnRef idx="2">
+            <a:schemeClr val="accent1">
+              <a:shade val="50000"/>
+            </a:schemeClr>
+          </a:lnRef>
+          <a:fillRef idx="1">
+            <a:schemeClr val="accent1"/>
+          </a:fillRef>
+          <a:effectRef idx="0">
+            <a:schemeClr val="accent1"/>
+          </a:effectRef>
+          <a:fontRef idx="minor">
+            <a:schemeClr val="lt1"/>
+          </a:fontRef>
+        </p:style>
+        <p:txBody>
+          <a:bodyPr rtlCol="1" anchor="ctr"/>
+          <a:lstStyle/>
+          <a:p>
+            <a:pPr algn="ctr"/>
+            <a:endParaRPr lang="he-IL" b="1" dirty="0">
+              <a:solidFill>
+                <a:schemeClr val="tx1"/>
+              </a:solidFill>
+            </a:endParaRPr>
+          </a:p>
+        </p:txBody>
+      </p:sp>
+      <mc:AlternateContent xmlns:mc="http://schemas.openxmlformats.org/markup-compatibility/2006">
+        <mc:Choice xmlns:a14="http://schemas.microsoft.com/office/drawing/2010/main" Requires="a14">
+          <p:sp>
+            <p:nvSpPr>
+              <p:cNvPr id="9" name="TextBox 8">
+                <a:extLst>
+                  <a:ext uri="{FF2B5EF4-FFF2-40B4-BE49-F238E27FC236}">
+                    <a16:creationId xmlns:a16="http://schemas.microsoft.com/office/drawing/2014/main" id="{5E12D05C-25BC-559E-1FA2-7598589F55B8}"/>
+                  </a:ext>
+                </a:extLst>
+              </p:cNvPr>
+              <p:cNvSpPr txBox="1"/>
+              <p:nvPr/>
+            </p:nvSpPr>
+            <p:spPr>
+              <a:xfrm>
+                <a:off x="5626737" y="4274935"/>
+                <a:ext cx="6534398" cy="1384995"/>
+              </a:xfrm>
+              <a:prstGeom prst="rect">
+                <a:avLst/>
+              </a:prstGeom>
+              <a:noFill/>
+            </p:spPr>
+            <p:txBody>
+              <a:bodyPr wrap="square" rtlCol="1">
+                <a:spAutoFit/>
+              </a:bodyPr>
+              <a:lstStyle/>
+              <a:p>
+                <a:pPr algn="ctr"/>
+                <a:r>
+                  <a:rPr lang="en-US" sz="2800" b="1" dirty="0">
+                    <a:solidFill>
+                      <a:schemeClr val="tx1"/>
+                    </a:solidFill>
+                  </a:rPr>
+                  <a:t>Why Not:</a:t>
+                </a:r>
+              </a:p>
+              <a:p>
+                <a:pPr algn="ctr"/>
+                <a14:m>
+                  <m:oMathPara xmlns:m="http://schemas.openxmlformats.org/officeDocument/2006/math">
+                    <m:oMathParaPr>
+                      <m:jc m:val="centerGroup"/>
+                    </m:oMathParaPr>
+                    <m:oMath xmlns:m="http://schemas.openxmlformats.org/officeDocument/2006/math">
+                      <m:sSup>
+                        <m:sSupPr>
+                          <m:ctrlPr>
+                            <a:rPr lang="en-US" sz="2800" b="1" i="1" smtClean="0">
+                              <a:solidFill>
+                                <a:schemeClr val="tx1"/>
+                              </a:solidFill>
+                              <a:latin typeface="Cambria Math" panose="02040503050406030204" pitchFamily="18" charset="0"/>
+                            </a:rPr>
+                          </m:ctrlPr>
+                        </m:sSupPr>
+                        <m:e>
+                          <m:r>
+                            <a:rPr lang="en-US" sz="2800" b="1" i="1" smtClean="0">
+                              <a:solidFill>
+                                <a:schemeClr val="tx1"/>
+                              </a:solidFill>
+                              <a:latin typeface="Cambria Math" panose="02040503050406030204" pitchFamily="18" charset="0"/>
+                            </a:rPr>
+                            <m:t>𝒅</m:t>
+                          </m:r>
+                        </m:e>
+                        <m:sup>
+                          <m:r>
+                            <a:rPr lang="en-US" sz="2800" b="1" i="1" smtClean="0">
+                              <a:solidFill>
+                                <a:schemeClr val="tx1"/>
+                              </a:solidFill>
+                              <a:latin typeface="Cambria Math" panose="02040503050406030204" pitchFamily="18" charset="0"/>
+                            </a:rPr>
+                            <m:t>′</m:t>
+                          </m:r>
+                        </m:sup>
+                      </m:sSup>
+                      <m:r>
+                        <a:rPr lang="en-US" sz="2800" b="1" i="1" smtClean="0">
+                          <a:solidFill>
+                            <a:schemeClr val="tx1"/>
+                          </a:solidFill>
+                          <a:latin typeface="Cambria Math" panose="02040503050406030204" pitchFamily="18" charset="0"/>
+                        </a:rPr>
+                        <m:t>=</m:t>
+                      </m:r>
+                      <m:r>
+                        <a:rPr lang="en-US" sz="2800" b="1" i="1" smtClean="0">
+                          <a:solidFill>
+                            <a:schemeClr val="tx1"/>
+                          </a:solidFill>
+                          <a:latin typeface="Cambria Math" panose="02040503050406030204" pitchFamily="18" charset="0"/>
+                        </a:rPr>
+                        <m:t>𝟐</m:t>
+                      </m:r>
+                      <m:r>
+                        <a:rPr lang="en-US" sz="2800" b="1" i="1" smtClean="0">
+                          <a:solidFill>
+                            <a:schemeClr val="tx1"/>
+                          </a:solidFill>
+                          <a:latin typeface="Cambria Math" panose="02040503050406030204" pitchFamily="18" charset="0"/>
+                        </a:rPr>
+                        <m:t>∙</m:t>
+                      </m:r>
+                      <m:r>
+                        <a:rPr lang="en-US" sz="2800" b="1" i="0" smtClean="0">
+                          <a:solidFill>
+                            <a:schemeClr val="tx1"/>
+                          </a:solidFill>
+                          <a:latin typeface="Cambria Math" panose="02040503050406030204" pitchFamily="18" charset="0"/>
+                        </a:rPr>
+                        <m:t>𝚽</m:t>
+                      </m:r>
+                      <m:r>
+                        <a:rPr lang="en-US" sz="2800" b="1" i="0" smtClean="0">
+                          <a:solidFill>
+                            <a:schemeClr val="tx1"/>
+                          </a:solidFill>
+                          <a:latin typeface="Cambria Math" panose="02040503050406030204" pitchFamily="18" charset="0"/>
+                        </a:rPr>
+                        <m:t>(</m:t>
+                      </m:r>
+                      <m:r>
+                        <a:rPr lang="en-US" sz="2800" b="1" i="0" smtClean="0">
+                          <a:solidFill>
+                            <a:schemeClr val="tx1"/>
+                          </a:solidFill>
+                          <a:latin typeface="Cambria Math" panose="02040503050406030204" pitchFamily="18" charset="0"/>
+                        </a:rPr>
+                        <m:t>𝐇𝐢𝐭</m:t>
+                      </m:r>
+                      <m:r>
+                        <a:rPr lang="en-US" sz="2800" b="1" i="0" smtClean="0">
+                          <a:solidFill>
+                            <a:schemeClr val="tx1"/>
+                          </a:solidFill>
+                          <a:latin typeface="Cambria Math" panose="02040503050406030204" pitchFamily="18" charset="0"/>
+                        </a:rPr>
+                        <m:t>+</m:t>
+                      </m:r>
+                      <m:r>
+                        <a:rPr lang="en-US" sz="2800" b="1" i="0" smtClean="0">
+                          <a:solidFill>
+                            <a:schemeClr val="tx1"/>
+                          </a:solidFill>
+                          <a:latin typeface="Cambria Math" panose="02040503050406030204" pitchFamily="18" charset="0"/>
+                        </a:rPr>
+                        <m:t>𝐂𝐨𝐫𝐫𝐞𝐜𝐭</m:t>
+                      </m:r>
+                      <m:r>
+                        <a:rPr lang="en-US" sz="2800" b="1" i="0" smtClean="0">
+                          <a:solidFill>
+                            <a:schemeClr val="tx1"/>
+                          </a:solidFill>
+                          <a:latin typeface="Cambria Math" panose="02040503050406030204" pitchFamily="18" charset="0"/>
+                        </a:rPr>
+                        <m:t> </m:t>
+                      </m:r>
+                      <m:r>
+                        <a:rPr lang="en-US" sz="2800" b="1" i="0" smtClean="0">
+                          <a:solidFill>
+                            <a:schemeClr val="tx1"/>
+                          </a:solidFill>
+                          <a:latin typeface="Cambria Math" panose="02040503050406030204" pitchFamily="18" charset="0"/>
+                        </a:rPr>
+                        <m:t>𝐑𝐞𝐣𝐞𝐜𝐭𝐢𝐨𝐧</m:t>
+                      </m:r>
+                      <m:r>
+                        <a:rPr lang="en-US" sz="2800" b="1" i="0" smtClean="0">
+                          <a:solidFill>
+                            <a:schemeClr val="tx1"/>
+                          </a:solidFill>
+                          <a:latin typeface="Cambria Math" panose="02040503050406030204" pitchFamily="18" charset="0"/>
+                        </a:rPr>
+                        <m:t>)</m:t>
+                      </m:r>
+                    </m:oMath>
+                  </m:oMathPara>
+                </a14:m>
+                <a:endParaRPr lang="he-IL" sz="2800" b="1" dirty="0">
+                  <a:solidFill>
+                    <a:schemeClr val="tx1"/>
+                  </a:solidFill>
+                </a:endParaRPr>
+              </a:p>
+              <a:p>
+                <a:endParaRPr lang="he-IL" sz="2800" dirty="0"/>
+              </a:p>
+            </p:txBody>
+          </p:sp>
+        </mc:Choice>
+        <mc:Fallback>
+          <p:sp>
+            <p:nvSpPr>
+              <p:cNvPr id="9" name="TextBox 8">
+                <a:extLst>
+                  <a:ext uri="{FF2B5EF4-FFF2-40B4-BE49-F238E27FC236}">
+                    <a16:creationId xmlns:a16="http://schemas.microsoft.com/office/drawing/2014/main" id="{5E12D05C-25BC-559E-1FA2-7598589F55B8}"/>
+                  </a:ext>
+                </a:extLst>
+              </p:cNvPr>
+              <p:cNvSpPr txBox="1">
+                <a:spLocks noRot="1" noChangeAspect="1" noMove="1" noResize="1" noEditPoints="1" noAdjustHandles="1" noChangeArrowheads="1" noChangeShapeType="1" noTextEdit="1"/>
+              </p:cNvSpPr>
+              <p:nvPr/>
+            </p:nvSpPr>
+            <p:spPr>
+              <a:xfrm>
+                <a:off x="5626737" y="4274935"/>
+                <a:ext cx="6534398" cy="1384995"/>
+              </a:xfrm>
+              <a:prstGeom prst="rect">
+                <a:avLst/>
+              </a:prstGeom>
+              <a:blipFill>
+                <a:blip r:embed="rId6"/>
+                <a:stretch>
+                  <a:fillRect t="-3965"/>
+                </a:stretch>
+              </a:blipFill>
+            </p:spPr>
+            <p:txBody>
+              <a:bodyPr/>
+              <a:lstStyle/>
+              <a:p>
+                <a:r>
+                  <a:rPr lang="he-IL">
+                    <a:noFill/>
+                  </a:rPr>
+                  <a:t> </a:t>
+                </a:r>
+              </a:p>
+            </p:txBody>
+          </p:sp>
+        </mc:Fallback>
+      </mc:AlternateContent>
+    </p:spTree>
+    <p:extLst>
+      <p:ext uri="{BB962C8B-B14F-4D97-AF65-F5344CB8AC3E}">
+        <p14:creationId xmlns:p14="http://schemas.microsoft.com/office/powerpoint/2010/main" val="3672774438"/>
+      </p:ext>
+    </p:extLst>
+  </p:cSld>
+  <p:clrMapOvr>
+    <a:masterClrMapping/>
+  </p:clrMapOvr>
+</p:sld>
+</file>
+
+<file path=ppt/slides/slide11.xml><?xml version="1.0" encoding="utf-8"?>
+<p:sld xmlns:a="http://schemas.openxmlformats.org/drawingml/2006/main" xmlns:r="http://schemas.openxmlformats.org/officeDocument/2006/relationships" xmlns:p="http://schemas.openxmlformats.org/presentationml/2006/main">
+  <p:cSld>
+    <p:spTree>
+      <p:nvGrpSpPr>
+        <p:cNvPr id="1" name=""/>
+        <p:cNvGrpSpPr/>
+        <p:nvPr/>
+      </p:nvGrpSpPr>
+      <p:grpSpPr>
+        <a:xfrm>
+          <a:off x="0" y="0"/>
+          <a:ext cx="0" cy="0"/>
+          <a:chOff x="0" y="0"/>
+          <a:chExt cx="0" cy="0"/>
+        </a:xfrm>
+      </p:grpSpPr>
+      <p:pic>
+        <p:nvPicPr>
           <p:cNvPr id="12" name="Picture 11">
             <a:extLst>
               <a:ext uri="{FF2B5EF4-FFF2-40B4-BE49-F238E27FC236}">
@@ -5902,7 +7076,7 @@
 </p:sld>
 </file>
 
-<file path=ppt/slides/slide11.xml><?xml version="1.0" encoding="utf-8"?>
+<file path=ppt/slides/slide12.xml><?xml version="1.0" encoding="utf-8"?>
 <p:sld xmlns:a="http://schemas.openxmlformats.org/drawingml/2006/main" xmlns:r="http://schemas.openxmlformats.org/officeDocument/2006/relationships" xmlns:p="http://schemas.openxmlformats.org/presentationml/2006/main">
   <p:cSld>
     <p:spTree>
@@ -6343,7 +7517,7 @@
 </p:sld>
 </file>
 
-<file path=ppt/slides/slide12.xml><?xml version="1.0" encoding="utf-8"?>
+<file path=ppt/slides/slide13.xml><?xml version="1.0" encoding="utf-8"?>
 <p:sld xmlns:a="http://schemas.openxmlformats.org/drawingml/2006/main" xmlns:r="http://schemas.openxmlformats.org/officeDocument/2006/relationships" xmlns:p="http://schemas.openxmlformats.org/presentationml/2006/main">
   <p:cSld>
     <p:spTree>
@@ -6486,7 +7660,7 @@
 </p:sld>
 </file>
 
-<file path=ppt/slides/slide13.xml><?xml version="1.0" encoding="utf-8"?>
+<file path=ppt/slides/slide14.xml><?xml version="1.0" encoding="utf-8"?>
 <p:sld xmlns:a="http://schemas.openxmlformats.org/drawingml/2006/main" xmlns:r="http://schemas.openxmlformats.org/officeDocument/2006/relationships" xmlns:p="http://schemas.openxmlformats.org/presentationml/2006/main">
   <p:cSld>
     <p:spTree>
@@ -6928,7 +8102,7 @@
 </p:sld>
 </file>
 
-<file path=ppt/slides/slide14.xml><?xml version="1.0" encoding="utf-8"?>
+<file path=ppt/slides/slide15.xml><?xml version="1.0" encoding="utf-8"?>
 <p:sld xmlns:a="http://schemas.openxmlformats.org/drawingml/2006/main" xmlns:r="http://schemas.openxmlformats.org/officeDocument/2006/relationships" xmlns:p="http://schemas.openxmlformats.org/presentationml/2006/main">
   <p:cSld>
     <p:spTree>
@@ -10761,8 +11935,8 @@
           </a:p>
         </p:txBody>
       </p:sp>
-      <mc:AlternateContent xmlns:mc="http://schemas.openxmlformats.org/markup-compatibility/2006">
-        <mc:Choice xmlns:a14="http://schemas.microsoft.com/office/drawing/2010/main" Requires="a14">
+      <mc:AlternateContent xmlns:mc="http://schemas.openxmlformats.org/markup-compatibility/2006" xmlns:a14="http://schemas.microsoft.com/office/drawing/2010/main">
+        <mc:Choice Requires="a14">
           <p:sp>
             <p:nvSpPr>
               <p:cNvPr id="3" name="TextBox 2">
@@ -10903,7 +12077,7 @@
             </p:txBody>
           </p:sp>
         </mc:Choice>
-        <mc:Fallback>
+        <mc:Fallback xmlns="">
           <p:sp>
             <p:nvSpPr>
               <p:cNvPr id="3" name="TextBox 2">
@@ -16838,8 +18012,8 @@
           </a:p>
         </p:txBody>
       </p:sp>
-      <mc:AlternateContent xmlns:mc="http://schemas.openxmlformats.org/markup-compatibility/2006">
-        <mc:Choice xmlns:a14="http://schemas.microsoft.com/office/drawing/2010/main" Requires="a14">
+      <mc:AlternateContent xmlns:mc="http://schemas.openxmlformats.org/markup-compatibility/2006" xmlns:a14="http://schemas.microsoft.com/office/drawing/2010/main">
+        <mc:Choice Requires="a14">
           <p:sp>
             <p:nvSpPr>
               <p:cNvPr id="34" name="TextBox 33">
@@ -16967,7 +18141,7 @@
             </p:txBody>
           </p:sp>
         </mc:Choice>
-        <mc:Fallback>
+        <mc:Fallback xmlns="">
           <p:sp>
             <p:nvSpPr>
               <p:cNvPr id="34" name="TextBox 33">
@@ -22111,8 +23285,8 @@
           </a:p>
         </p:txBody>
       </p:sp>
-      <mc:AlternateContent xmlns:mc="http://schemas.openxmlformats.org/markup-compatibility/2006">
-        <mc:Choice xmlns:a14="http://schemas.microsoft.com/office/drawing/2010/main" Requires="a14">
+      <mc:AlternateContent xmlns:mc="http://schemas.openxmlformats.org/markup-compatibility/2006" xmlns:a14="http://schemas.microsoft.com/office/drawing/2010/main">
+        <mc:Choice Requires="a14">
           <p:sp>
             <p:nvSpPr>
               <p:cNvPr id="3" name="TextBox 2">
@@ -22253,7 +23427,7 @@
             </p:txBody>
           </p:sp>
         </mc:Choice>
-        <mc:Fallback>
+        <mc:Fallback xmlns="">
           <p:sp>
             <p:nvSpPr>
               <p:cNvPr id="3" name="TextBox 2">
@@ -22298,8 +23472,8 @@
           </p:sp>
         </mc:Fallback>
       </mc:AlternateContent>
-      <mc:AlternateContent xmlns:mc="http://schemas.openxmlformats.org/markup-compatibility/2006">
-        <mc:Choice xmlns:a14="http://schemas.microsoft.com/office/drawing/2010/main" Requires="a14">
+      <mc:AlternateContent xmlns:mc="http://schemas.openxmlformats.org/markup-compatibility/2006" xmlns:a14="http://schemas.microsoft.com/office/drawing/2010/main">
+        <mc:Choice Requires="a14">
           <p:sp>
             <p:nvSpPr>
               <p:cNvPr id="5" name="TextBox 4">
@@ -22439,7 +23613,7 @@
             </p:txBody>
           </p:sp>
         </mc:Choice>
-        <mc:Fallback>
+        <mc:Fallback xmlns="">
           <p:sp>
             <p:nvSpPr>
               <p:cNvPr id="5" name="TextBox 4">
